--- a/dev/theory.pptx
+++ b/dev/theory.pptx
@@ -104,6 +104,11 @@
       </a:defRPr>
     </a:lvl9pPr>
   </p:defaultTextStyle>
+  <p:extLst>
+    <p:ext uri="{EFAFB233-063F-42B5-8137-9DF3F51BA10A}">
+      <p15:sldGuideLst xmlns:p15="http://schemas.microsoft.com/office/powerpoint/2012/main"/>
+    </p:ext>
+  </p:extLst>
 </p:presentation>
 </file>
 
@@ -254,7 +259,7 @@
           <a:p>
             <a:fld id="{323B353D-AC4C-4119-A287-6E8A9B1A8F63}" type="datetimeFigureOut">
               <a:rPr lang="en-US" smtClean="0"/>
-              <a:t>2019-10-20</a:t>
+              <a:t>10/21/2019</a:t>
             </a:fld>
             <a:endParaRPr lang="en-US"/>
           </a:p>
@@ -452,7 +457,7 @@
           <a:p>
             <a:fld id="{323B353D-AC4C-4119-A287-6E8A9B1A8F63}" type="datetimeFigureOut">
               <a:rPr lang="en-US" smtClean="0"/>
-              <a:t>2019-10-20</a:t>
+              <a:t>10/21/2019</a:t>
             </a:fld>
             <a:endParaRPr lang="en-US"/>
           </a:p>
@@ -660,7 +665,7 @@
           <a:p>
             <a:fld id="{323B353D-AC4C-4119-A287-6E8A9B1A8F63}" type="datetimeFigureOut">
               <a:rPr lang="en-US" smtClean="0"/>
-              <a:t>2019-10-20</a:t>
+              <a:t>10/21/2019</a:t>
             </a:fld>
             <a:endParaRPr lang="en-US"/>
           </a:p>
@@ -858,7 +863,7 @@
           <a:p>
             <a:fld id="{323B353D-AC4C-4119-A287-6E8A9B1A8F63}" type="datetimeFigureOut">
               <a:rPr lang="en-US" smtClean="0"/>
-              <a:t>2019-10-20</a:t>
+              <a:t>10/21/2019</a:t>
             </a:fld>
             <a:endParaRPr lang="en-US"/>
           </a:p>
@@ -1133,7 +1138,7 @@
           <a:p>
             <a:fld id="{323B353D-AC4C-4119-A287-6E8A9B1A8F63}" type="datetimeFigureOut">
               <a:rPr lang="en-US" smtClean="0"/>
-              <a:t>2019-10-20</a:t>
+              <a:t>10/21/2019</a:t>
             </a:fld>
             <a:endParaRPr lang="en-US"/>
           </a:p>
@@ -1398,7 +1403,7 @@
           <a:p>
             <a:fld id="{323B353D-AC4C-4119-A287-6E8A9B1A8F63}" type="datetimeFigureOut">
               <a:rPr lang="en-US" smtClean="0"/>
-              <a:t>2019-10-20</a:t>
+              <a:t>10/21/2019</a:t>
             </a:fld>
             <a:endParaRPr lang="en-US"/>
           </a:p>
@@ -1810,7 +1815,7 @@
           <a:p>
             <a:fld id="{323B353D-AC4C-4119-A287-6E8A9B1A8F63}" type="datetimeFigureOut">
               <a:rPr lang="en-US" smtClean="0"/>
-              <a:t>2019-10-20</a:t>
+              <a:t>10/21/2019</a:t>
             </a:fld>
             <a:endParaRPr lang="en-US"/>
           </a:p>
@@ -1951,7 +1956,7 @@
           <a:p>
             <a:fld id="{323B353D-AC4C-4119-A287-6E8A9B1A8F63}" type="datetimeFigureOut">
               <a:rPr lang="en-US" smtClean="0"/>
-              <a:t>2019-10-20</a:t>
+              <a:t>10/21/2019</a:t>
             </a:fld>
             <a:endParaRPr lang="en-US"/>
           </a:p>
@@ -2064,7 +2069,7 @@
           <a:p>
             <a:fld id="{323B353D-AC4C-4119-A287-6E8A9B1A8F63}" type="datetimeFigureOut">
               <a:rPr lang="en-US" smtClean="0"/>
-              <a:t>2019-10-20</a:t>
+              <a:t>10/21/2019</a:t>
             </a:fld>
             <a:endParaRPr lang="en-US"/>
           </a:p>
@@ -2375,7 +2380,7 @@
           <a:p>
             <a:fld id="{323B353D-AC4C-4119-A287-6E8A9B1A8F63}" type="datetimeFigureOut">
               <a:rPr lang="en-US" smtClean="0"/>
-              <a:t>2019-10-20</a:t>
+              <a:t>10/21/2019</a:t>
             </a:fld>
             <a:endParaRPr lang="en-US"/>
           </a:p>
@@ -2663,7 +2668,7 @@
           <a:p>
             <a:fld id="{323B353D-AC4C-4119-A287-6E8A9B1A8F63}" type="datetimeFigureOut">
               <a:rPr lang="en-US" smtClean="0"/>
-              <a:t>2019-10-20</a:t>
+              <a:t>10/21/2019</a:t>
             </a:fld>
             <a:endParaRPr lang="en-US"/>
           </a:p>
@@ -2904,7 +2909,7 @@
           <a:p>
             <a:fld id="{323B353D-AC4C-4119-A287-6E8A9B1A8F63}" type="datetimeFigureOut">
               <a:rPr lang="en-US" smtClean="0"/>
-              <a:t>2019-10-20</a:t>
+              <a:t>10/21/2019</a:t>
             </a:fld>
             <a:endParaRPr lang="en-US"/>
           </a:p>
@@ -3993,25 +3998,25 @@
           <a:p>
             <a:pPr algn="ctr"/>
             <a:r>
-              <a:rPr lang="en-US" sz="2400" b="1"/>
+              <a:rPr lang="en-US" sz="2400" b="1" dirty="0"/>
               <a:t>Voltage Gated</a:t>
             </a:r>
             <a:br>
-              <a:rPr lang="en-US" sz="2400" b="1"/>
+              <a:rPr lang="en-US" sz="2400" b="1" dirty="0"/>
             </a:br>
             <a:r>
-              <a:rPr lang="en-US" sz="2400" b="1"/>
+              <a:rPr lang="en-US" sz="2400" b="1" dirty="0"/>
               <a:t>Na</a:t>
             </a:r>
             <a:r>
-              <a:rPr lang="en-US" sz="2400" b="1" baseline="30000"/>
-              <a:t>2+</a:t>
-            </a:r>
-            <a:r>
-              <a:rPr lang="en-US" sz="2400" b="1"/>
+              <a:rPr lang="en-US" sz="2400" b="1" baseline="30000" dirty="0"/>
+              <a:t>+</a:t>
+            </a:r>
+            <a:r>
+              <a:rPr lang="en-US" sz="2400" b="1" dirty="0"/>
               <a:t> Channel</a:t>
             </a:r>
-            <a:endParaRPr lang="en-US" sz="2400" b="1" baseline="30000"/>
+            <a:endParaRPr lang="en-US" sz="2400" b="1" baseline="30000" dirty="0"/>
           </a:p>
         </p:txBody>
       </p:sp>
@@ -4029,10 +4034,10 @@
         </p:nvGrpSpPr>
         <p:grpSpPr>
           <a:xfrm>
-            <a:off x="3072096" y="1619260"/>
-            <a:ext cx="599844" cy="494522"/>
-            <a:chOff x="3769568" y="1110343"/>
-            <a:chExt cx="599844" cy="494522"/>
+            <a:off x="3109418" y="1619260"/>
+            <a:ext cx="494522" cy="494522"/>
+            <a:chOff x="3806890" y="1110343"/>
+            <a:chExt cx="494522" cy="494522"/>
           </a:xfrm>
         </p:grpSpPr>
         <p:sp>
@@ -4104,8 +4109,8 @@
           </p:nvSpPr>
           <p:spPr>
             <a:xfrm>
-              <a:off x="3769568" y="1166326"/>
-              <a:ext cx="599844" cy="369332"/>
+              <a:off x="3820368" y="1172676"/>
+              <a:ext cx="444352" cy="369332"/>
             </a:xfrm>
             <a:prstGeom prst="rect">
               <a:avLst/>
@@ -4118,21 +4123,18 @@
             <a:lstStyle/>
             <a:p>
               <a:r>
-                <a:rPr lang="en-US">
+                <a:rPr lang="en-US" dirty="0">
                   <a:solidFill>
                     <a:schemeClr val="bg1"/>
                   </a:solidFill>
                 </a:rPr>
                 <a:t>Na</a:t>
               </a:r>
-              <a:r>
-                <a:rPr lang="en-US" baseline="30000">
-                  <a:solidFill>
-                    <a:schemeClr val="bg1"/>
-                  </a:solidFill>
-                </a:rPr>
-                <a:t>2+</a:t>
-              </a:r>
+              <a:endParaRPr lang="en-US" baseline="30000" dirty="0">
+                <a:solidFill>
+                  <a:schemeClr val="bg1"/>
+                </a:solidFill>
+              </a:endParaRPr>
             </a:p>
           </p:txBody>
         </p:sp>
@@ -4151,10 +4153,10 @@
         </p:nvGrpSpPr>
         <p:grpSpPr>
           <a:xfrm>
-            <a:off x="1892161" y="1624422"/>
-            <a:ext cx="599844" cy="494522"/>
-            <a:chOff x="3769568" y="1110343"/>
-            <a:chExt cx="599844" cy="494522"/>
+            <a:off x="1929483" y="1624422"/>
+            <a:ext cx="494522" cy="494522"/>
+            <a:chOff x="3806890" y="1110343"/>
+            <a:chExt cx="494522" cy="494522"/>
           </a:xfrm>
         </p:grpSpPr>
         <p:sp>
@@ -4226,8 +4228,8 @@
           </p:nvSpPr>
           <p:spPr>
             <a:xfrm>
-              <a:off x="3769568" y="1166326"/>
-              <a:ext cx="599844" cy="369332"/>
+              <a:off x="3833068" y="1166326"/>
+              <a:ext cx="444352" cy="369332"/>
             </a:xfrm>
             <a:prstGeom prst="rect">
               <a:avLst/>
@@ -4240,21 +4242,18 @@
             <a:lstStyle/>
             <a:p>
               <a:r>
-                <a:rPr lang="en-US">
+                <a:rPr lang="en-US" dirty="0">
                   <a:solidFill>
                     <a:schemeClr val="bg1"/>
                   </a:solidFill>
                 </a:rPr>
                 <a:t>Na</a:t>
               </a:r>
-              <a:r>
-                <a:rPr lang="en-US" baseline="30000">
-                  <a:solidFill>
-                    <a:schemeClr val="bg1"/>
-                  </a:solidFill>
-                </a:rPr>
-                <a:t>2+</a:t>
-              </a:r>
+              <a:endParaRPr lang="en-US" baseline="30000" dirty="0">
+                <a:solidFill>
+                  <a:schemeClr val="bg1"/>
+                </a:solidFill>
+              </a:endParaRPr>
             </a:p>
           </p:txBody>
         </p:sp>
@@ -4273,10 +4272,10 @@
         </p:nvGrpSpPr>
         <p:grpSpPr>
           <a:xfrm>
-            <a:off x="2457824" y="1347064"/>
-            <a:ext cx="599844" cy="494522"/>
-            <a:chOff x="3769568" y="1110343"/>
-            <a:chExt cx="599844" cy="494522"/>
+            <a:off x="2495146" y="1347064"/>
+            <a:ext cx="494522" cy="494522"/>
+            <a:chOff x="3806890" y="1110343"/>
+            <a:chExt cx="494522" cy="494522"/>
           </a:xfrm>
         </p:grpSpPr>
         <p:sp>
@@ -4348,8 +4347,8 @@
           </p:nvSpPr>
           <p:spPr>
             <a:xfrm>
-              <a:off x="3769568" y="1166326"/>
-              <a:ext cx="599844" cy="369332"/>
+              <a:off x="3839418" y="1172676"/>
+              <a:ext cx="444352" cy="369332"/>
             </a:xfrm>
             <a:prstGeom prst="rect">
               <a:avLst/>
@@ -4362,21 +4361,18 @@
             <a:lstStyle/>
             <a:p>
               <a:r>
-                <a:rPr lang="en-US">
+                <a:rPr lang="en-US" dirty="0">
                   <a:solidFill>
                     <a:schemeClr val="bg1"/>
                   </a:solidFill>
                 </a:rPr>
                 <a:t>Na</a:t>
               </a:r>
-              <a:r>
-                <a:rPr lang="en-US" baseline="30000">
-                  <a:solidFill>
-                    <a:schemeClr val="bg1"/>
-                  </a:solidFill>
-                </a:rPr>
-                <a:t>2+</a:t>
-              </a:r>
+              <a:endParaRPr lang="en-US" baseline="30000" dirty="0">
+                <a:solidFill>
+                  <a:schemeClr val="bg1"/>
+                </a:solidFill>
+              </a:endParaRPr>
             </a:p>
           </p:txBody>
         </p:sp>
@@ -4869,10 +4865,22 @@
           <a:lstStyle/>
           <a:p>
             <a:r>
-              <a:rPr lang="en-US" b="1"/>
+              <a:rPr lang="en-US" b="1">
+                <a:solidFill>
+                  <a:schemeClr val="accent1">
+                    <a:lumMod val="50000"/>
+                  </a:schemeClr>
+                </a:solidFill>
+              </a:rPr>
               <a:t>Inactivation Gate</a:t>
             </a:r>
-            <a:endParaRPr lang="en-US" b="1" baseline="30000"/>
+            <a:endParaRPr lang="en-US" b="1" baseline="30000">
+              <a:solidFill>
+                <a:schemeClr val="accent1">
+                  <a:lumMod val="50000"/>
+                </a:schemeClr>
+              </a:solidFill>
+            </a:endParaRPr>
           </a:p>
         </p:txBody>
       </p:sp>
@@ -5049,10 +5057,22 @@
           <a:lstStyle/>
           <a:p>
             <a:r>
-              <a:rPr lang="en-US" b="1"/>
+              <a:rPr lang="en-US" b="1">
+                <a:solidFill>
+                  <a:schemeClr val="accent1">
+                    <a:lumMod val="50000"/>
+                  </a:schemeClr>
+                </a:solidFill>
+              </a:rPr>
               <a:t>Voltage Gate</a:t>
             </a:r>
-            <a:endParaRPr lang="en-US" b="1" baseline="30000"/>
+            <a:endParaRPr lang="en-US" b="1" baseline="30000">
+              <a:solidFill>
+                <a:schemeClr val="accent1">
+                  <a:lumMod val="50000"/>
+                </a:schemeClr>
+              </a:solidFill>
+            </a:endParaRPr>
           </a:p>
         </p:txBody>
       </p:sp>
@@ -5229,10 +5249,18 @@
           <a:lstStyle/>
           <a:p>
             <a:r>
-              <a:rPr lang="en-US" b="1"/>
+              <a:rPr lang="en-US" b="1" dirty="0">
+                <a:solidFill>
+                  <a:srgbClr val="C00000"/>
+                </a:solidFill>
+              </a:rPr>
               <a:t>Voltage Gate</a:t>
             </a:r>
-            <a:endParaRPr lang="en-US" b="1" baseline="30000"/>
+            <a:endParaRPr lang="en-US" b="1" baseline="30000" dirty="0">
+              <a:solidFill>
+                <a:srgbClr val="C00000"/>
+              </a:solidFill>
+            </a:endParaRPr>
           </a:p>
         </p:txBody>
       </p:sp>
@@ -5396,7 +5424,7 @@
         <p:spPr>
           <a:xfrm>
             <a:off x="2856423" y="5238935"/>
-            <a:ext cx="1002197" cy="646331"/>
+            <a:ext cx="950901" cy="646331"/>
           </a:xfrm>
           <a:prstGeom prst="rect">
             <a:avLst/>
@@ -5409,7 +5437,7 @@
           <a:lstStyle/>
           <a:p>
             <a:r>
-              <a:rPr lang="en-US" sz="1200" i="1">
+              <a:rPr lang="en-US" sz="1200" i="1" dirty="0">
                 <a:solidFill>
                   <a:schemeClr val="accent1">
                     <a:lumMod val="75000"/>
@@ -5419,17 +5447,17 @@
               <a:t>influx of Na</a:t>
             </a:r>
             <a:r>
-              <a:rPr lang="en-US" sz="1200" i="1" baseline="30000">
+              <a:rPr lang="en-US" sz="1200" i="1" baseline="30000" dirty="0">
                 <a:solidFill>
                   <a:schemeClr val="accent1">
                     <a:lumMod val="75000"/>
                   </a:schemeClr>
                 </a:solidFill>
               </a:rPr>
-              <a:t>2+</a:t>
+              <a:t>+</a:t>
             </a:r>
             <a:br>
-              <a:rPr lang="en-US" sz="1200" i="1">
+              <a:rPr lang="en-US" sz="1200" i="1" dirty="0">
                 <a:solidFill>
                   <a:schemeClr val="accent1">
                     <a:lumMod val="75000"/>
@@ -5438,7 +5466,7 @@
               </a:rPr>
             </a:br>
             <a:r>
-              <a:rPr lang="en-US" sz="1200" i="1">
+              <a:rPr lang="en-US" sz="1200" i="1" dirty="0">
                 <a:solidFill>
                   <a:schemeClr val="accent1">
                     <a:lumMod val="75000"/>
@@ -5450,7 +5478,7 @@
           </a:p>
           <a:p>
             <a:r>
-              <a:rPr lang="en-US" sz="1200" i="1">
+              <a:rPr lang="en-US" sz="1200" i="1" dirty="0">
                 <a:solidFill>
                   <a:schemeClr val="accent1">
                     <a:lumMod val="75000"/>
@@ -5477,7 +5505,7 @@
         <p:spPr>
           <a:xfrm>
             <a:off x="278941" y="5114675"/>
-            <a:ext cx="1389419" cy="461665"/>
+            <a:ext cx="1184235" cy="461665"/>
           </a:xfrm>
           <a:prstGeom prst="rect">
             <a:avLst/>
@@ -5490,29 +5518,61 @@
           <a:lstStyle/>
           <a:p>
             <a:r>
-              <a:rPr lang="en-US" sz="1200" b="1" i="1"/>
+              <a:rPr lang="en-US" sz="1200" b="1" i="1" dirty="0">
+                <a:solidFill>
+                  <a:schemeClr val="accent1">
+                    <a:lumMod val="50000"/>
+                  </a:schemeClr>
+                </a:solidFill>
+              </a:rPr>
               <a:t>Closes</a:t>
             </a:r>
             <a:r>
-              <a:rPr lang="en-US" sz="1200" i="1"/>
+              <a:rPr lang="en-US" sz="1200" i="1" dirty="0">
+                <a:solidFill>
+                  <a:schemeClr val="accent1">
+                    <a:lumMod val="50000"/>
+                  </a:schemeClr>
+                </a:solidFill>
+              </a:rPr>
               <a:t> </a:t>
             </a:r>
             <a:r>
-              <a:rPr lang="en-US" sz="1200" b="1" i="1"/>
+              <a:rPr lang="en-US" sz="1200" b="1" i="1" dirty="0">
+                <a:solidFill>
+                  <a:schemeClr val="accent1">
+                    <a:lumMod val="50000"/>
+                  </a:schemeClr>
+                </a:solidFill>
+              </a:rPr>
               <a:t>slowly</a:t>
             </a:r>
-            <a:r>
-              <a:rPr lang="en-US" sz="1200" i="1"/>
-              <a:t> when</a:t>
-            </a:r>
             <a:br>
-              <a:rPr lang="en-US" sz="1200" i="1"/>
+              <a:rPr lang="en-US" sz="1200" i="1" dirty="0">
+                <a:solidFill>
+                  <a:schemeClr val="accent1">
+                    <a:lumMod val="50000"/>
+                  </a:schemeClr>
+                </a:solidFill>
+              </a:rPr>
             </a:br>
             <a:r>
-              <a:rPr lang="en-US" sz="1200" i="1"/>
+              <a:rPr lang="en-US" sz="1200" i="1" dirty="0">
+                <a:solidFill>
+                  <a:schemeClr val="accent1">
+                    <a:lumMod val="50000"/>
+                  </a:schemeClr>
+                </a:solidFill>
+              </a:rPr>
               <a:t>above threshold</a:t>
             </a:r>
-            <a:endParaRPr lang="en-US" sz="1200" i="1" baseline="30000"/>
+            <a:endParaRPr lang="en-US" sz="1200" i="1" baseline="30000" dirty="0">
+              <a:solidFill>
+                <a:schemeClr val="accent1">
+                  <a:lumMod val="50000"/>
+                </a:schemeClr>
+              </a:solidFill>
+            </a:endParaRPr>
           </a:p>
         </p:txBody>
       </p:sp>
@@ -5531,7 +5591,7 @@
         <p:spPr>
           <a:xfrm>
             <a:off x="4466836" y="1978863"/>
-            <a:ext cx="1405449" cy="461665"/>
+            <a:ext cx="1184235" cy="461665"/>
           </a:xfrm>
           <a:prstGeom prst="rect">
             <a:avLst/>
@@ -5544,17 +5604,26 @@
           <a:lstStyle/>
           <a:p>
             <a:r>
-              <a:rPr lang="en-US" sz="1200" b="1" i="1"/>
-              <a:t>Opens slowly </a:t>
-            </a:r>
-            <a:r>
-              <a:rPr lang="en-US" sz="1200" i="1"/>
-              <a:t>when</a:t>
-            </a:r>
-          </a:p>
-          <a:p>
-            <a:r>
-              <a:rPr lang="en-US" sz="1200" i="1"/>
+              <a:rPr lang="en-US" sz="1200" b="1" i="1" dirty="0">
+                <a:solidFill>
+                  <a:srgbClr val="C00000"/>
+                </a:solidFill>
+              </a:rPr>
+              <a:t>Opens slowly</a:t>
+            </a:r>
+            <a:endParaRPr lang="en-US" sz="1200" i="1" dirty="0">
+              <a:solidFill>
+                <a:srgbClr val="C00000"/>
+              </a:solidFill>
+            </a:endParaRPr>
+          </a:p>
+          <a:p>
+            <a:r>
+              <a:rPr lang="en-US" sz="1200" i="1" dirty="0">
+                <a:solidFill>
+                  <a:srgbClr val="C00000"/>
+                </a:solidFill>
+              </a:rPr>
               <a:t>above threshold</a:t>
             </a:r>
           </a:p>
@@ -6236,10 +6305,10 @@
         </p:nvGrpSpPr>
         <p:grpSpPr>
           <a:xfrm>
-            <a:off x="3197967" y="4757637"/>
-            <a:ext cx="599844" cy="494522"/>
-            <a:chOff x="3769568" y="1110343"/>
-            <a:chExt cx="599844" cy="494522"/>
+            <a:off x="3235289" y="4757637"/>
+            <a:ext cx="494522" cy="494522"/>
+            <a:chOff x="3806890" y="1110343"/>
+            <a:chExt cx="494522" cy="494522"/>
           </a:xfrm>
         </p:grpSpPr>
         <p:sp>
@@ -6311,8 +6380,8 @@
           </p:nvSpPr>
           <p:spPr>
             <a:xfrm>
-              <a:off x="3769568" y="1166326"/>
-              <a:ext cx="599844" cy="369332"/>
+              <a:off x="3826708" y="1182103"/>
+              <a:ext cx="444352" cy="369332"/>
             </a:xfrm>
             <a:prstGeom prst="rect">
               <a:avLst/>
@@ -6325,21 +6394,18 @@
             <a:lstStyle/>
             <a:p>
               <a:r>
-                <a:rPr lang="en-US">
+                <a:rPr lang="en-US" dirty="0">
                   <a:solidFill>
                     <a:schemeClr val="bg1"/>
                   </a:solidFill>
                 </a:rPr>
                 <a:t>Na</a:t>
               </a:r>
-              <a:r>
-                <a:rPr lang="en-US" baseline="30000">
-                  <a:solidFill>
-                    <a:schemeClr val="bg1"/>
-                  </a:solidFill>
-                </a:rPr>
-                <a:t>2+</a:t>
-              </a:r>
+              <a:endParaRPr lang="en-US" baseline="30000" dirty="0">
+                <a:solidFill>
+                  <a:schemeClr val="bg1"/>
+                </a:solidFill>
+              </a:endParaRPr>
             </a:p>
           </p:txBody>
         </p:sp>
@@ -7055,7 +7121,7 @@
         <p:spPr>
           <a:xfrm>
             <a:off x="685370" y="2529703"/>
-            <a:ext cx="1449436" cy="461665"/>
+            <a:ext cx="1184235" cy="461665"/>
           </a:xfrm>
           <a:prstGeom prst="rect">
             <a:avLst/>
@@ -7068,17 +7134,32 @@
           <a:lstStyle/>
           <a:p>
             <a:r>
-              <a:rPr lang="en-US" sz="1200" b="1" i="1"/>
-              <a:t>Opens quickly </a:t>
-            </a:r>
-            <a:r>
-              <a:rPr lang="en-US" sz="1200" i="1"/>
-              <a:t>when</a:t>
-            </a:r>
-          </a:p>
-          <a:p>
-            <a:r>
-              <a:rPr lang="en-US" sz="1200" i="1"/>
+              <a:rPr lang="en-US" sz="1200" b="1" i="1" dirty="0">
+                <a:solidFill>
+                  <a:schemeClr val="accent1">
+                    <a:lumMod val="50000"/>
+                  </a:schemeClr>
+                </a:solidFill>
+              </a:rPr>
+              <a:t>Opens quickly</a:t>
+            </a:r>
+            <a:endParaRPr lang="en-US" sz="1200" i="1" dirty="0">
+              <a:solidFill>
+                <a:schemeClr val="accent1">
+                  <a:lumMod val="50000"/>
+                </a:schemeClr>
+              </a:solidFill>
+            </a:endParaRPr>
+          </a:p>
+          <a:p>
+            <a:r>
+              <a:rPr lang="en-US" sz="1200" i="1" dirty="0">
+                <a:solidFill>
+                  <a:schemeClr val="accent1">
+                    <a:lumMod val="50000"/>
+                  </a:schemeClr>
+                </a:solidFill>
+              </a:rPr>
               <a:t>above threshold</a:t>
             </a:r>
           </a:p>
@@ -7688,33 +7769,33 @@
           <a:p>
             <a:pPr algn="ctr"/>
             <a:r>
-              <a:rPr lang="en-US" sz="2400" b="1"/>
+              <a:rPr lang="en-US" sz="2400" b="1" dirty="0"/>
               <a:t>Na</a:t>
             </a:r>
             <a:r>
-              <a:rPr lang="en-US" sz="2400" b="1" baseline="30000"/>
-              <a:t>2+</a:t>
-            </a:r>
-            <a:r>
-              <a:rPr lang="en-US" sz="2400" b="1"/>
+              <a:rPr lang="en-US" sz="2400" b="1" baseline="30000" dirty="0"/>
+              <a:t>+</a:t>
+            </a:r>
+            <a:r>
+              <a:rPr lang="en-US" sz="2400" b="1" dirty="0"/>
               <a:t>/K</a:t>
             </a:r>
             <a:r>
-              <a:rPr lang="en-US" sz="2400" b="1" baseline="30000"/>
+              <a:rPr lang="en-US" sz="2400" b="1" baseline="30000" dirty="0"/>
               <a:t>+</a:t>
             </a:r>
             <a:r>
-              <a:rPr lang="en-US" sz="2400" b="1"/>
+              <a:rPr lang="en-US" sz="2400" b="1" dirty="0"/>
               <a:t> </a:t>
             </a:r>
             <a:br>
-              <a:rPr lang="en-US" sz="2400" b="1"/>
+              <a:rPr lang="en-US" sz="2400" b="1" dirty="0"/>
             </a:br>
             <a:r>
-              <a:rPr lang="en-US" sz="2400" b="1"/>
+              <a:rPr lang="en-US" sz="2400" b="1" dirty="0"/>
               <a:t>Pump</a:t>
             </a:r>
-            <a:endParaRPr lang="en-US" sz="2400" b="1" baseline="30000"/>
+            <a:endParaRPr lang="en-US" sz="2400" b="1" baseline="30000" dirty="0"/>
           </a:p>
         </p:txBody>
       </p:sp>
@@ -8776,22 +8857,22 @@
           <a:lstStyle/>
           <a:p>
             <a:r>
-              <a:rPr lang="en-US" sz="1200" i="1"/>
+              <a:rPr lang="en-US" sz="1200" i="1" dirty="0"/>
               <a:t>When all voltage-gated channels are closed </a:t>
             </a:r>
             <a:br>
-              <a:rPr lang="en-US" sz="1200" i="1"/>
+              <a:rPr lang="en-US" sz="1200" i="1" dirty="0"/>
             </a:br>
             <a:r>
-              <a:rPr lang="en-US" sz="1200" i="1"/>
+              <a:rPr lang="en-US" sz="1200" i="1" dirty="0"/>
               <a:t>K</a:t>
             </a:r>
             <a:r>
-              <a:rPr lang="en-US" sz="1200" i="1" baseline="30000"/>
+              <a:rPr lang="en-US" sz="1200" i="1" baseline="30000" dirty="0"/>
               <a:t>+</a:t>
             </a:r>
             <a:r>
-              <a:rPr lang="en-US" sz="1200" i="1"/>
+              <a:rPr lang="en-US" sz="1200" i="1" dirty="0"/>
               <a:t> leaks out, maintaining a negative voltage.</a:t>
             </a:r>
           </a:p>
@@ -9081,6 +9162,46 @@
                 <a:schemeClr val="tx1"/>
               </a:solidFill>
             </a:endParaRPr>
+          </a:p>
+        </p:txBody>
+      </p:sp>
+      <p:sp>
+        <p:nvSpPr>
+          <p:cNvPr id="113" name="Rectangle 112">
+            <a:extLst>
+              <a:ext uri="{FF2B5EF4-FFF2-40B4-BE49-F238E27FC236}">
+                <a16:creationId xmlns:a16="http://schemas.microsoft.com/office/drawing/2014/main" id="{5CA2DC2C-7267-4AE9-9993-CBB21FA7303B}"/>
+              </a:ext>
+            </a:extLst>
+          </p:cNvPr>
+          <p:cNvSpPr/>
+          <p:nvPr/>
+        </p:nvSpPr>
+        <p:spPr>
+          <a:xfrm>
+            <a:off x="8409834" y="6343692"/>
+            <a:ext cx="3769535" cy="338554"/>
+          </a:xfrm>
+          <a:prstGeom prst="rect">
+            <a:avLst/>
+          </a:prstGeom>
+        </p:spPr>
+        <p:txBody>
+          <a:bodyPr wrap="square">
+            <a:spAutoFit/>
+          </a:bodyPr>
+          <a:lstStyle/>
+          <a:p>
+            <a:r>
+              <a:rPr lang="en-US" sz="1600" b="1" dirty="0">
+                <a:solidFill>
+                  <a:schemeClr val="tx1">
+                    <a:alpha val="19000"/>
+                  </a:schemeClr>
+                </a:solidFill>
+              </a:rPr>
+              <a:t>www.GitHub.com/SWHarden/HHSharp</a:t>
+            </a:r>
           </a:p>
         </p:txBody>
       </p:sp>

--- a/dev/theory.pptx
+++ b/dev/theory.pptx
@@ -5661,43 +5661,43 @@
               <a:buChar char="•"/>
             </a:pPr>
             <a:r>
-              <a:rPr lang="en-US" sz="1200">
+              <a:rPr lang="en-US" sz="1200" dirty="0">
                 <a:ea typeface="Verdana" panose="020B0604030504040204" pitchFamily="34" charset="0"/>
               </a:rPr>
               <a:t>Every gate (</a:t>
             </a:r>
             <a:r>
-              <a:rPr lang="en-US" sz="1200" i="1">
+              <a:rPr lang="en-US" sz="1200" i="1" dirty="0">
                 <a:ea typeface="Verdana" panose="020B0604030504040204" pitchFamily="34" charset="0"/>
               </a:rPr>
               <a:t>m</a:t>
             </a:r>
             <a:r>
-              <a:rPr lang="en-US" sz="1200">
+              <a:rPr lang="en-US" sz="1200" dirty="0">
                 <a:ea typeface="Verdana" panose="020B0604030504040204" pitchFamily="34" charset="0"/>
               </a:rPr>
               <a:t>, </a:t>
             </a:r>
             <a:r>
-              <a:rPr lang="en-US" sz="1200" i="1">
+              <a:rPr lang="en-US" sz="1200" i="1" dirty="0">
                 <a:ea typeface="Verdana" panose="020B0604030504040204" pitchFamily="34" charset="0"/>
               </a:rPr>
               <a:t>h</a:t>
             </a:r>
             <a:r>
-              <a:rPr lang="en-US" sz="1200">
+              <a:rPr lang="en-US" sz="1200" dirty="0">
                 <a:ea typeface="Verdana" panose="020B0604030504040204" pitchFamily="34" charset="0"/>
               </a:rPr>
               <a:t>, and </a:t>
             </a:r>
             <a:r>
-              <a:rPr lang="en-US" sz="1200" i="1">
+              <a:rPr lang="en-US" sz="1200" i="1" dirty="0">
                 <a:ea typeface="Verdana" panose="020B0604030504040204" pitchFamily="34" charset="0"/>
               </a:rPr>
               <a:t>n</a:t>
             </a:r>
             <a:r>
-              <a:rPr lang="en-US" sz="1200">
+              <a:rPr lang="en-US" sz="1200" dirty="0">
                 <a:ea typeface="Verdana" panose="020B0604030504040204" pitchFamily="34" charset="0"/>
               </a:rPr>
               <a:t>) has a time-constant for opening (alpha) and closing (beta)</a:t>
@@ -5709,31 +5709,31 @@
               <a:buChar char="•"/>
             </a:pPr>
             <a:r>
-              <a:rPr lang="en-US" sz="1200">
+              <a:rPr lang="en-US" sz="1200" dirty="0">
                 <a:ea typeface="Verdana" panose="020B0604030504040204" pitchFamily="34" charset="0"/>
               </a:rPr>
               <a:t>At threshold, </a:t>
             </a:r>
             <a:r>
-              <a:rPr lang="en-US" sz="1200" i="1">
+              <a:rPr lang="en-US" sz="1200" i="1" dirty="0">
                 <a:ea typeface="Verdana" panose="020B0604030504040204" pitchFamily="34" charset="0"/>
               </a:rPr>
               <a:t>m</a:t>
             </a:r>
             <a:r>
-              <a:rPr lang="en-US" sz="1200">
+              <a:rPr lang="en-US" sz="1200" dirty="0">
                 <a:ea typeface="Verdana" panose="020B0604030504040204" pitchFamily="34" charset="0"/>
               </a:rPr>
               <a:t> opens fastest so the excitatory current (influx of Na</a:t>
             </a:r>
             <a:r>
-              <a:rPr lang="en-US" sz="1200" baseline="30000">
+              <a:rPr lang="en-US" sz="1200" baseline="30000" dirty="0">
                 <a:ea typeface="Verdana" panose="020B0604030504040204" pitchFamily="34" charset="0"/>
               </a:rPr>
-              <a:t>2+</a:t>
-            </a:r>
-            <a:r>
-              <a:rPr lang="en-US" sz="1200">
+              <a:t>+</a:t>
+            </a:r>
+            <a:r>
+              <a:rPr lang="en-US" sz="1200" dirty="0">
                 <a:ea typeface="Verdana" panose="020B0604030504040204" pitchFamily="34" charset="0"/>
               </a:rPr>
               <a:t>) dominates (making cell positive)</a:t>
@@ -5745,31 +5745,31 @@
               <a:buChar char="•"/>
             </a:pPr>
             <a:r>
-              <a:rPr lang="en-US" sz="1200">
+              <a:rPr lang="en-US" sz="1200" dirty="0">
                 <a:ea typeface="Verdana" panose="020B0604030504040204" pitchFamily="34" charset="0"/>
               </a:rPr>
               <a:t>Eventually (a few milliseconds later) </a:t>
             </a:r>
             <a:r>
-              <a:rPr lang="en-US" sz="1200" i="1">
+              <a:rPr lang="en-US" sz="1200" i="1" dirty="0">
                 <a:ea typeface="Verdana" panose="020B0604030504040204" pitchFamily="34" charset="0"/>
               </a:rPr>
               <a:t>h</a:t>
             </a:r>
             <a:r>
-              <a:rPr lang="en-US" sz="1200">
+              <a:rPr lang="en-US" sz="1200" dirty="0">
                 <a:ea typeface="Verdana" panose="020B0604030504040204" pitchFamily="34" charset="0"/>
               </a:rPr>
               <a:t> closes and </a:t>
             </a:r>
             <a:r>
-              <a:rPr lang="en-US" sz="1200" i="1">
+              <a:rPr lang="en-US" sz="1200" i="1" dirty="0">
                 <a:ea typeface="Verdana" panose="020B0604030504040204" pitchFamily="34" charset="0"/>
               </a:rPr>
               <a:t>n</a:t>
             </a:r>
             <a:r>
-              <a:rPr lang="en-US" sz="1200">
+              <a:rPr lang="en-US" sz="1200" dirty="0">
                 <a:ea typeface="Verdana" panose="020B0604030504040204" pitchFamily="34" charset="0"/>
               </a:rPr>
               <a:t> opens, and inhibitory current dominates (making cell negative)</a:t>
@@ -5781,43 +5781,43 @@
               <a:buChar char="•"/>
             </a:pPr>
             <a:r>
-              <a:rPr lang="en-US" sz="1200">
+              <a:rPr lang="en-US" sz="1200" dirty="0">
                 <a:ea typeface="Verdana" panose="020B0604030504040204" pitchFamily="34" charset="0"/>
               </a:rPr>
               <a:t>Once below threshold both voltage gates (</a:t>
             </a:r>
             <a:r>
-              <a:rPr lang="en-US" sz="1200" i="1">
+              <a:rPr lang="en-US" sz="1200" i="1" dirty="0">
                 <a:ea typeface="Verdana" panose="020B0604030504040204" pitchFamily="34" charset="0"/>
               </a:rPr>
               <a:t>m</a:t>
             </a:r>
             <a:r>
-              <a:rPr lang="en-US" sz="1200">
+              <a:rPr lang="en-US" sz="1200" dirty="0">
                 <a:ea typeface="Verdana" panose="020B0604030504040204" pitchFamily="34" charset="0"/>
               </a:rPr>
               <a:t> and </a:t>
             </a:r>
             <a:r>
-              <a:rPr lang="en-US" sz="1200" i="1">
+              <a:rPr lang="en-US" sz="1200" i="1" dirty="0">
                 <a:ea typeface="Verdana" panose="020B0604030504040204" pitchFamily="34" charset="0"/>
               </a:rPr>
               <a:t>n</a:t>
             </a:r>
             <a:r>
-              <a:rPr lang="en-US" sz="1200">
+              <a:rPr lang="en-US" sz="1200" dirty="0">
                 <a:ea typeface="Verdana" panose="020B0604030504040204" pitchFamily="34" charset="0"/>
               </a:rPr>
               <a:t>) close and the inactivation gate (</a:t>
             </a:r>
             <a:r>
-              <a:rPr lang="en-US" sz="1200" i="1">
+              <a:rPr lang="en-US" sz="1200" i="1" dirty="0">
                 <a:ea typeface="Verdana" panose="020B0604030504040204" pitchFamily="34" charset="0"/>
               </a:rPr>
               <a:t>h</a:t>
             </a:r>
             <a:r>
-              <a:rPr lang="en-US" sz="1200">
+              <a:rPr lang="en-US" sz="1200" dirty="0">
                 <a:ea typeface="Verdana" panose="020B0604030504040204" pitchFamily="34" charset="0"/>
               </a:rPr>
               <a:t>) opens</a:t>
@@ -5829,7 +5829,7 @@
               <a:buChar char="•"/>
             </a:pPr>
             <a:r>
-              <a:rPr lang="en-US" sz="1200">
+              <a:rPr lang="en-US" sz="1200" dirty="0">
                 <a:ea typeface="Verdana" panose="020B0604030504040204" pitchFamily="34" charset="0"/>
               </a:rPr>
               <a:t>Large cells (with high Cm) are take longer to charge and have slower voltage changes to the same currents</a:t>
@@ -8051,10 +8051,10 @@
         </p:nvGrpSpPr>
         <p:grpSpPr>
           <a:xfrm>
-            <a:off x="11049337" y="1704463"/>
-            <a:ext cx="599844" cy="494522"/>
-            <a:chOff x="3769568" y="1110343"/>
-            <a:chExt cx="599844" cy="494522"/>
+            <a:off x="11086659" y="1704463"/>
+            <a:ext cx="494522" cy="494522"/>
+            <a:chOff x="3806890" y="1110343"/>
+            <a:chExt cx="494522" cy="494522"/>
           </a:xfrm>
         </p:grpSpPr>
         <p:sp>
@@ -8126,8 +8126,8 @@
           </p:nvSpPr>
           <p:spPr>
             <a:xfrm>
-              <a:off x="3769568" y="1166326"/>
-              <a:ext cx="599844" cy="369332"/>
+              <a:off x="3825448" y="1171406"/>
+              <a:ext cx="444352" cy="369332"/>
             </a:xfrm>
             <a:prstGeom prst="rect">
               <a:avLst/>
@@ -8140,21 +8140,18 @@
             <a:lstStyle/>
             <a:p>
               <a:r>
-                <a:rPr lang="en-US">
+                <a:rPr lang="en-US" dirty="0">
                   <a:solidFill>
                     <a:schemeClr val="bg1"/>
                   </a:solidFill>
                 </a:rPr>
                 <a:t>Na</a:t>
               </a:r>
-              <a:r>
-                <a:rPr lang="en-US" baseline="30000">
-                  <a:solidFill>
-                    <a:schemeClr val="bg1"/>
-                  </a:solidFill>
-                </a:rPr>
-                <a:t>2+</a:t>
-              </a:r>
+              <a:endParaRPr lang="en-US" baseline="30000" dirty="0">
+                <a:solidFill>
+                  <a:schemeClr val="bg1"/>
+                </a:solidFill>
+              </a:endParaRPr>
             </a:p>
           </p:txBody>
         </p:sp>
@@ -8173,10 +8170,10 @@
         </p:nvGrpSpPr>
         <p:grpSpPr>
           <a:xfrm>
-            <a:off x="10132054" y="1833217"/>
-            <a:ext cx="599844" cy="494522"/>
-            <a:chOff x="3769568" y="1110343"/>
-            <a:chExt cx="599844" cy="494522"/>
+            <a:off x="10169376" y="1833217"/>
+            <a:ext cx="494522" cy="494522"/>
+            <a:chOff x="3806890" y="1110343"/>
+            <a:chExt cx="494522" cy="494522"/>
           </a:xfrm>
         </p:grpSpPr>
         <p:sp>
@@ -8248,8 +8245,8 @@
           </p:nvSpPr>
           <p:spPr>
             <a:xfrm>
-              <a:off x="3769568" y="1166326"/>
-              <a:ext cx="599844" cy="369332"/>
+              <a:off x="3825448" y="1171406"/>
+              <a:ext cx="444352" cy="369332"/>
             </a:xfrm>
             <a:prstGeom prst="rect">
               <a:avLst/>
@@ -8262,21 +8259,18 @@
             <a:lstStyle/>
             <a:p>
               <a:r>
-                <a:rPr lang="en-US">
+                <a:rPr lang="en-US" dirty="0">
                   <a:solidFill>
                     <a:schemeClr val="bg1"/>
                   </a:solidFill>
                 </a:rPr>
                 <a:t>Na</a:t>
               </a:r>
-              <a:r>
-                <a:rPr lang="en-US" baseline="30000">
-                  <a:solidFill>
-                    <a:schemeClr val="bg1"/>
-                  </a:solidFill>
-                </a:rPr>
-                <a:t>2+</a:t>
-              </a:r>
+              <a:endParaRPr lang="en-US" baseline="30000" dirty="0">
+                <a:solidFill>
+                  <a:schemeClr val="bg1"/>
+                </a:solidFill>
+              </a:endParaRPr>
             </a:p>
           </p:txBody>
         </p:sp>
@@ -8295,10 +8289,10 @@
         </p:nvGrpSpPr>
         <p:grpSpPr>
           <a:xfrm>
-            <a:off x="10545317" y="1365359"/>
-            <a:ext cx="599844" cy="494522"/>
-            <a:chOff x="3769568" y="1110343"/>
-            <a:chExt cx="599844" cy="494522"/>
+            <a:off x="10582639" y="1365359"/>
+            <a:ext cx="494522" cy="494522"/>
+            <a:chOff x="3806890" y="1110343"/>
+            <a:chExt cx="494522" cy="494522"/>
           </a:xfrm>
         </p:grpSpPr>
         <p:sp>
@@ -8352,7 +8346,7 @@
             <a:lstStyle/>
             <a:p>
               <a:pPr algn="ctr"/>
-              <a:endParaRPr lang="en-US"/>
+              <a:endParaRPr lang="en-US" dirty="0"/>
             </a:p>
           </p:txBody>
         </p:sp>
@@ -8370,8 +8364,8 @@
           </p:nvSpPr>
           <p:spPr>
             <a:xfrm>
-              <a:off x="3769568" y="1166326"/>
-              <a:ext cx="599844" cy="369332"/>
+              <a:off x="3830528" y="1166326"/>
+              <a:ext cx="444352" cy="369332"/>
             </a:xfrm>
             <a:prstGeom prst="rect">
               <a:avLst/>
@@ -8384,21 +8378,18 @@
             <a:lstStyle/>
             <a:p>
               <a:r>
-                <a:rPr lang="en-US">
+                <a:rPr lang="en-US" dirty="0">
                   <a:solidFill>
                     <a:schemeClr val="bg1"/>
                   </a:solidFill>
                 </a:rPr>
                 <a:t>Na</a:t>
               </a:r>
-              <a:r>
-                <a:rPr lang="en-US" baseline="30000">
-                  <a:solidFill>
-                    <a:schemeClr val="bg1"/>
-                  </a:solidFill>
-                </a:rPr>
-                <a:t>2+</a:t>
-              </a:r>
+              <a:endParaRPr lang="en-US" baseline="30000" dirty="0">
+                <a:solidFill>
+                  <a:schemeClr val="bg1"/>
+                </a:solidFill>
+              </a:endParaRPr>
             </a:p>
           </p:txBody>
         </p:sp>
@@ -8807,23 +8798,23 @@
           <a:lstStyle/>
           <a:p>
             <a:r>
-              <a:rPr lang="en-US" sz="1200" b="1" i="1"/>
+              <a:rPr lang="en-US" sz="1200" b="1" i="1" dirty="0"/>
               <a:t>ATP is used to pump Na</a:t>
             </a:r>
             <a:r>
-              <a:rPr lang="en-US" sz="1200" b="1" i="1" baseline="30000"/>
-              <a:t>2+</a:t>
-            </a:r>
-            <a:r>
-              <a:rPr lang="en-US" sz="1200" b="1" i="1"/>
+              <a:rPr lang="en-US" sz="1200" b="1" i="1" baseline="30000" dirty="0"/>
+              <a:t>+</a:t>
+            </a:r>
+            <a:r>
+              <a:rPr lang="en-US" sz="1200" b="1" i="1" dirty="0"/>
               <a:t> out and K</a:t>
             </a:r>
             <a:r>
-              <a:rPr lang="en-US" sz="1200" b="1" i="1" baseline="30000"/>
+              <a:rPr lang="en-US" sz="1200" b="1" i="1" baseline="30000" dirty="0"/>
               <a:t>+</a:t>
             </a:r>
             <a:r>
-              <a:rPr lang="en-US" sz="1200" b="1" i="1"/>
+              <a:rPr lang="en-US" sz="1200" b="1" i="1" dirty="0"/>
               <a:t> in</a:t>
             </a:r>
           </a:p>
